--- a/PaceClient/Dokumente/Vorstellung/Masterarbeit_MK.pptx
+++ b/PaceClient/Dokumente/Vorstellung/Masterarbeit_MK.pptx
@@ -5,24 +5,23 @@
     <p:sldMasterId id="2147483648" r:id="rId1"/>
   </p:sldMasterIdLst>
   <p:notesMasterIdLst>
-    <p:notesMasterId r:id="rId14"/>
+    <p:notesMasterId r:id="rId13"/>
   </p:notesMasterIdLst>
   <p:handoutMasterIdLst>
-    <p:handoutMasterId r:id="rId15"/>
+    <p:handoutMasterId r:id="rId14"/>
   </p:handoutMasterIdLst>
   <p:sldIdLst>
     <p:sldId id="257" r:id="rId2"/>
     <p:sldId id="274" r:id="rId3"/>
     <p:sldId id="275" r:id="rId4"/>
-    <p:sldId id="260" r:id="rId5"/>
-    <p:sldId id="261" r:id="rId6"/>
-    <p:sldId id="262" r:id="rId7"/>
-    <p:sldId id="263" r:id="rId8"/>
-    <p:sldId id="265" r:id="rId9"/>
-    <p:sldId id="266" r:id="rId10"/>
-    <p:sldId id="271" r:id="rId11"/>
-    <p:sldId id="272" r:id="rId12"/>
-    <p:sldId id="273" r:id="rId13"/>
+    <p:sldId id="261" r:id="rId5"/>
+    <p:sldId id="262" r:id="rId6"/>
+    <p:sldId id="263" r:id="rId7"/>
+    <p:sldId id="265" r:id="rId8"/>
+    <p:sldId id="266" r:id="rId9"/>
+    <p:sldId id="271" r:id="rId10"/>
+    <p:sldId id="272" r:id="rId11"/>
+    <p:sldId id="273" r:id="rId12"/>
   </p:sldIdLst>
   <p:sldSz cx="9144000" cy="6858000" type="screen4x3"/>
   <p:notesSz cx="6877050" cy="10001250"/>
@@ -1521,8 +1520,8 @@
     <dgm:cxn modelId="{ADA1AB85-F3E3-4E7E-BDFE-2B845565A04A}" type="presOf" srcId="{48E17E39-C02D-4AB4-BFEB-CA7EFDB6AAA0}" destId="{5ECE3D87-E3CA-4159-800F-1CF8C449D56A}" srcOrd="0" destOrd="0" presId="urn:microsoft.com/office/officeart/2005/8/layout/process2"/>
     <dgm:cxn modelId="{ACCEEE57-1CCB-43B7-9D3B-C763DF2521CF}" type="presOf" srcId="{DF0AFF66-432F-40F4-B476-E2BE9540D465}" destId="{EC91B157-C2F1-40CE-A89B-B9FBDC81DDCB}" srcOrd="0" destOrd="0" presId="urn:microsoft.com/office/officeart/2005/8/layout/process2"/>
     <dgm:cxn modelId="{A858D385-9826-4C0B-833B-BCCA6D670D2A}" srcId="{1E369EAA-334A-4C46-B430-D5952579E432}" destId="{A9C2564B-17CD-4A7E-A431-5B6E631D20A5}" srcOrd="6" destOrd="0" parTransId="{E2EE07EA-0CFA-4350-8830-01CD8FBBE79D}" sibTransId="{748D90EF-647E-4AED-935C-0F2ACAD7704D}"/>
+    <dgm:cxn modelId="{F351F3B4-5687-4E8F-B9CE-B00885EC74E5}" srcId="{1E369EAA-334A-4C46-B430-D5952579E432}" destId="{48E17E39-C02D-4AB4-BFEB-CA7EFDB6AAA0}" srcOrd="0" destOrd="0" parTransId="{BA7EFD0E-224B-4E0C-92DC-D5E473572D1C}" sibTransId="{FD988CC8-AA65-4402-A5C6-DF28525A8324}"/>
     <dgm:cxn modelId="{F65EE8E3-5897-4EDA-B46D-E1093A06DE87}" srcId="{1E369EAA-334A-4C46-B430-D5952579E432}" destId="{4D7C21EE-874F-41FD-9D92-684576ABA49D}" srcOrd="2" destOrd="0" parTransId="{7224439C-B78A-43EA-A376-E88F0C24B6D0}" sibTransId="{C07DBF0B-EF44-42EC-8250-E0534508F656}"/>
-    <dgm:cxn modelId="{F351F3B4-5687-4E8F-B9CE-B00885EC74E5}" srcId="{1E369EAA-334A-4C46-B430-D5952579E432}" destId="{48E17E39-C02D-4AB4-BFEB-CA7EFDB6AAA0}" srcOrd="0" destOrd="0" parTransId="{BA7EFD0E-224B-4E0C-92DC-D5E473572D1C}" sibTransId="{FD988CC8-AA65-4402-A5C6-DF28525A8324}"/>
     <dgm:cxn modelId="{2D65399C-ACDB-4621-9703-43A2CFB57808}" type="presOf" srcId="{25C12FC1-3E08-4A50-AC9D-B2EBC65A5E18}" destId="{637F8594-68A7-4E74-979D-50A8BB97366E}" srcOrd="0" destOrd="0" presId="urn:microsoft.com/office/officeart/2005/8/layout/process2"/>
     <dgm:cxn modelId="{DA7F30E5-AAF9-4386-81DB-0AC388B767E4}" type="presOf" srcId="{C07DBF0B-EF44-42EC-8250-E0534508F656}" destId="{8D630398-EF97-4DF2-BD07-ECECAEBFEFC7}" srcOrd="1" destOrd="0" presId="urn:microsoft.com/office/officeart/2005/8/layout/process2"/>
     <dgm:cxn modelId="{2ADDF7B6-9A95-4B97-A816-4A08E269652A}" type="presOf" srcId="{909BDDE2-DD2B-430B-AEAB-539B02A47F1D}" destId="{DB37E6A9-71AF-41D9-BE27-B2EA0690A398}" srcOrd="0" destOrd="0" presId="urn:microsoft.com/office/officeart/2005/8/layout/process2"/>
@@ -4693,6 +4692,14 @@
           <a:bodyPr/>
           <a:lstStyle/>
           <a:p>
+            <a:r>
+              <a:rPr lang="de-DE" dirty="0" smtClean="0"/>
+              <a:t>Fokus der Präsentation: Problemstellung</a:t>
+            </a:r>
+            <a:r>
+              <a:rPr lang="de-DE" baseline="0" dirty="0" smtClean="0"/>
+              <a:t> anderen Teilnehmern erklären</a:t>
+            </a:r>
             <a:endParaRPr lang="de-DE" dirty="0"/>
           </a:p>
         </p:txBody>
@@ -4712,10 +4719,15 @@
           <a:bodyPr/>
           <a:lstStyle/>
           <a:p>
-            <a:fld id="{1484B3AA-8D58-4103-AC28-6A8328B02A53}" type="slidenum">
+            <a:pPr>
+              <a:defRPr/>
+            </a:pPr>
+            <a:fld id="{A1CC4338-7AF6-4B54-9BFC-D773C0D23D0C}" type="slidenum">
               <a:rPr lang="de-DE" smtClean="0"/>
-              <a:pPr/>
-              <a:t>3</a:t>
+              <a:pPr>
+                <a:defRPr/>
+              </a:pPr>
+              <a:t>2</a:t>
             </a:fld>
             <a:endParaRPr lang="de-DE"/>
           </a:p>
@@ -4724,7 +4736,7 @@
     </p:spTree>
     <p:extLst>
       <p:ext uri="{BB962C8B-B14F-4D97-AF65-F5344CB8AC3E}">
-        <p14:creationId xmlns:p14="http://schemas.microsoft.com/office/powerpoint/2010/main" val="3992241554"/>
+        <p14:creationId xmlns:p14="http://schemas.microsoft.com/office/powerpoint/2010/main" val="4215376840"/>
       </p:ext>
     </p:extLst>
   </p:cSld>
@@ -4800,7 +4812,7 @@
             <a:fld id="{1484B3AA-8D58-4103-AC28-6A8328B02A53}" type="slidenum">
               <a:rPr lang="de-DE" smtClean="0"/>
               <a:pPr/>
-              <a:t>4</a:t>
+              <a:t>3</a:t>
             </a:fld>
             <a:endParaRPr lang="de-DE"/>
           </a:p>
@@ -4809,7 +4821,7 @@
     </p:spTree>
     <p:extLst>
       <p:ext uri="{BB962C8B-B14F-4D97-AF65-F5344CB8AC3E}">
-        <p14:creationId xmlns:p14="http://schemas.microsoft.com/office/powerpoint/2010/main" val="2041012863"/>
+        <p14:creationId xmlns:p14="http://schemas.microsoft.com/office/powerpoint/2010/main" val="3992241554"/>
       </p:ext>
     </p:extLst>
   </p:cSld>
@@ -4885,7 +4897,7 @@
             <a:fld id="{1484B3AA-8D58-4103-AC28-6A8328B02A53}" type="slidenum">
               <a:rPr lang="de-DE" smtClean="0"/>
               <a:pPr/>
-              <a:t>5</a:t>
+              <a:t>4</a:t>
             </a:fld>
             <a:endParaRPr lang="de-DE"/>
           </a:p>
@@ -4970,7 +4982,7 @@
             <a:fld id="{1484B3AA-8D58-4103-AC28-6A8328B02A53}" type="slidenum">
               <a:rPr lang="de-DE" smtClean="0"/>
               <a:pPr/>
-              <a:t>6</a:t>
+              <a:t>5</a:t>
             </a:fld>
             <a:endParaRPr lang="de-DE"/>
           </a:p>
@@ -5113,7 +5125,7 @@
             <a:fld id="{1484B3AA-8D58-4103-AC28-6A8328B02A53}" type="slidenum">
               <a:rPr lang="de-DE" smtClean="0"/>
               <a:pPr/>
-              <a:t>7</a:t>
+              <a:t>6</a:t>
             </a:fld>
             <a:endParaRPr lang="de-DE"/>
           </a:p>
@@ -5198,7 +5210,7 @@
             <a:fld id="{1484B3AA-8D58-4103-AC28-6A8328B02A53}" type="slidenum">
               <a:rPr lang="de-DE" smtClean="0"/>
               <a:pPr/>
-              <a:t>8</a:t>
+              <a:t>7</a:t>
             </a:fld>
             <a:endParaRPr lang="de-DE"/>
           </a:p>
@@ -5283,7 +5295,7 @@
             <a:fld id="{1484B3AA-8D58-4103-AC28-6A8328B02A53}" type="slidenum">
               <a:rPr lang="de-DE" smtClean="0"/>
               <a:pPr/>
-              <a:t>9</a:t>
+              <a:t>8</a:t>
             </a:fld>
             <a:endParaRPr lang="de-DE"/>
           </a:p>
@@ -5368,7 +5380,7 @@
             <a:fld id="{1484B3AA-8D58-4103-AC28-6A8328B02A53}" type="slidenum">
               <a:rPr lang="de-DE" smtClean="0"/>
               <a:pPr/>
-              <a:t>10</a:t>
+              <a:t>9</a:t>
             </a:fld>
             <a:endParaRPr lang="de-DE"/>
           </a:p>
@@ -5484,7 +5496,7 @@
           <a:graphicData uri="http://schemas.openxmlformats.org/presentationml/2006/ole">
             <mc:AlternateContent xmlns:mc="http://schemas.openxmlformats.org/markup-compatibility/2006">
               <mc:Choice xmlns:v="urn:schemas-microsoft-com:vml" Requires="v">
-                <p:oleObj spid="_x0000_s1048" name="Acrobat Document" r:id="rId4" imgW="3543233" imgH="1038157" progId="AcroExch.Document.7">
+                <p:oleObj spid="_x0000_s1053" name="Acrobat Document" r:id="rId4" imgW="3543233" imgH="1038157" progId="AcroExch.Document.7">
                   <p:embed/>
                 </p:oleObj>
               </mc:Choice>
@@ -8715,86 +8727,6 @@
       </p:grpSpPr>
       <p:sp>
         <p:nvSpPr>
-          <p:cNvPr id="3" name="Inhaltsplatzhalter 2"/>
-          <p:cNvSpPr>
-            <a:spLocks noGrp="1"/>
-          </p:cNvSpPr>
-          <p:nvPr>
-            <p:ph idx="1"/>
-          </p:nvPr>
-        </p:nvSpPr>
-        <p:spPr/>
-        <p:txBody>
-          <a:bodyPr/>
-          <a:lstStyle/>
-          <a:p>
-            <a:endParaRPr lang="de-DE" dirty="0"/>
-          </a:p>
-        </p:txBody>
-      </p:sp>
-      <p:sp>
-        <p:nvSpPr>
-          <p:cNvPr id="2" name="Titel 1"/>
-          <p:cNvSpPr>
-            <a:spLocks noGrp="1"/>
-          </p:cNvSpPr>
-          <p:nvPr>
-            <p:ph type="title"/>
-          </p:nvPr>
-        </p:nvSpPr>
-        <p:spPr/>
-        <p:txBody>
-          <a:bodyPr/>
-          <a:lstStyle/>
-          <a:p>
-            <a:r>
-              <a:rPr lang="de-DE" b="1" dirty="0" smtClean="0"/>
-              <a:t>Diskussion</a:t>
-            </a:r>
-            <a:endParaRPr lang="de-DE" b="1" dirty="0"/>
-          </a:p>
-        </p:txBody>
-      </p:sp>
-    </p:spTree>
-    <p:extLst>
-      <p:ext uri="{BB962C8B-B14F-4D97-AF65-F5344CB8AC3E}">
-        <p14:creationId xmlns:p14="http://schemas.microsoft.com/office/powerpoint/2010/main" val="1457293428"/>
-      </p:ext>
-    </p:extLst>
-  </p:cSld>
-  <p:clrMapOvr>
-    <a:masterClrMapping/>
-  </p:clrMapOvr>
-  <p:transition/>
-  <p:timing>
-    <p:tnLst>
-      <p:par>
-        <p:cTn id="1" dur="indefinite" restart="never" nodeType="tmRoot"/>
-      </p:par>
-    </p:tnLst>
-  </p:timing>
-</p:sld>
-</file>
-
-<file path=ppt/slides/slide11.xml><?xml version="1.0" encoding="utf-8"?>
-<p:sld xmlns:a="http://schemas.openxmlformats.org/drawingml/2006/main" xmlns:r="http://schemas.openxmlformats.org/officeDocument/2006/relationships" xmlns:p="http://schemas.openxmlformats.org/presentationml/2006/main">
-  <p:cSld>
-    <p:spTree>
-      <p:nvGrpSpPr>
-        <p:cNvPr id="1" name=""/>
-        <p:cNvGrpSpPr/>
-        <p:nvPr/>
-      </p:nvGrpSpPr>
-      <p:grpSpPr>
-        <a:xfrm>
-          <a:off x="0" y="0"/>
-          <a:ext cx="0" cy="0"/>
-          <a:chOff x="0" y="0"/>
-          <a:chExt cx="0" cy="0"/>
-        </a:xfrm>
-      </p:grpSpPr>
-      <p:sp>
-        <p:nvSpPr>
           <p:cNvPr id="2" name="Titel 1"/>
           <p:cNvSpPr>
             <a:spLocks noGrp="1"/>
@@ -8903,14 +8835,12 @@
               <a:rPr lang="de-DE" sz="1200" b="1" dirty="0" smtClean="0"/>
               <a:t>Martin Kramer</a:t>
             </a:r>
-            <a:endParaRPr lang="de-DE" sz="1200" b="1" dirty="0" smtClean="0"/>
           </a:p>
           <a:p>
             <a:r>
               <a:rPr lang="de-DE" sz="1200" dirty="0" smtClean="0"/>
               <a:t>martin.kramer@wiwi.uni-paderborn.de</a:t>
             </a:r>
-            <a:endParaRPr lang="de-DE" sz="1200" dirty="0" smtClean="0"/>
           </a:p>
           <a:p>
             <a:endParaRPr lang="de-DE" sz="1200" dirty="0" smtClean="0"/>
@@ -8941,7 +8871,7 @@
 </p:sld>
 </file>
 
-<file path=ppt/slides/slide12.xml><?xml version="1.0" encoding="utf-8"?>
+<file path=ppt/slides/slide11.xml><?xml version="1.0" encoding="utf-8"?>
 <p:sld xmlns:a="http://schemas.openxmlformats.org/drawingml/2006/main" xmlns:r="http://schemas.openxmlformats.org/officeDocument/2006/relationships" xmlns:p="http://schemas.openxmlformats.org/presentationml/2006/main">
   <p:cSld>
     <p:spTree>
@@ -9094,29 +9024,23 @@
           <a:p>
             <a:r>
               <a:rPr lang="de-DE" dirty="0" smtClean="0"/>
-              <a:t>Motivation</a:t>
-            </a:r>
-          </a:p>
-          <a:p>
-            <a:r>
-              <a:rPr lang="de-DE" dirty="0"/>
-              <a:t>Stand der </a:t>
-            </a:r>
+              <a:t>Motivation &amp; Problemstellung</a:t>
+            </a:r>
+          </a:p>
+          <a:p>
             <a:r>
               <a:rPr lang="de-DE" dirty="0" smtClean="0"/>
-              <a:t>Forschung</a:t>
-            </a:r>
-          </a:p>
-          <a:p>
+              <a:t>Grundlegende </a:t>
+            </a:r>
             <a:r>
               <a:rPr lang="de-DE" dirty="0" smtClean="0"/>
-              <a:t>Grundlegende Theorien</a:t>
+              <a:t>Theorien</a:t>
             </a:r>
           </a:p>
           <a:p>
             <a:r>
               <a:rPr lang="de-DE" dirty="0" smtClean="0"/>
-              <a:t>Problemstellung &amp; Forschungsfrage</a:t>
+              <a:t>Anforderungsanalyse</a:t>
             </a:r>
           </a:p>
           <a:p>
@@ -9124,6 +9048,7 @@
               <a:rPr lang="de-DE" dirty="0" smtClean="0"/>
               <a:t>Software-Entwicklung</a:t>
             </a:r>
+            <a:endParaRPr lang="de-DE" dirty="0" smtClean="0"/>
           </a:p>
           <a:p>
             <a:r>
@@ -9214,8 +9139,47 @@
           <a:p>
             <a:r>
               <a:rPr lang="de-DE" dirty="0" smtClean="0"/>
-              <a:t>Schwächen von eingesetzter Software</a:t>
-            </a:r>
+              <a:t>Schwächen von eingesetzter </a:t>
+            </a:r>
+            <a:r>
+              <a:rPr lang="de-DE" dirty="0" smtClean="0"/>
+              <a:t>Software</a:t>
+            </a:r>
+          </a:p>
+          <a:p>
+            <a:r>
+              <a:rPr lang="de-DE" dirty="0"/>
+              <a:t>Wirtschaftsexperimente</a:t>
+            </a:r>
+          </a:p>
+          <a:p>
+            <a:pPr lvl="1"/>
+            <a:r>
+              <a:rPr lang="de-DE" dirty="0"/>
+              <a:t>Aktuelle Forschungen</a:t>
+            </a:r>
+          </a:p>
+          <a:p>
+            <a:r>
+              <a:rPr lang="de-DE" dirty="0"/>
+              <a:t>Softwarealternativen die eingesetzt werden</a:t>
+            </a:r>
+          </a:p>
+          <a:p>
+            <a:pPr lvl="1"/>
+            <a:r>
+              <a:rPr lang="de-DE" dirty="0"/>
+              <a:t>Statistiken</a:t>
+            </a:r>
+          </a:p>
+          <a:p>
+            <a:pPr lvl="1"/>
+            <a:r>
+              <a:rPr lang="de-DE" dirty="0"/>
+              <a:t>Probleme die dabei auftreten</a:t>
+            </a:r>
+          </a:p>
+          <a:p>
             <a:endParaRPr lang="de-DE" dirty="0"/>
           </a:p>
         </p:txBody>
@@ -9237,7 +9201,7 @@
           <a:p>
             <a:r>
               <a:rPr lang="de-DE" b="1" dirty="0" smtClean="0"/>
-              <a:t>Motivation</a:t>
+              <a:t>Motivation &amp; Problemstellung</a:t>
             </a:r>
             <a:endParaRPr lang="de-DE" b="1" dirty="0"/>
           </a:p>
@@ -9322,29 +9286,8 @@
           <a:p>
             <a:r>
               <a:rPr lang="de-DE" dirty="0" smtClean="0"/>
-              <a:t>Wirtschaftsexperimente</a:t>
-            </a:r>
-          </a:p>
-          <a:p>
-            <a:pPr lvl="1"/>
-            <a:r>
-              <a:rPr lang="de-DE" dirty="0" smtClean="0"/>
-              <a:t>Aktuelle Forschungen</a:t>
-            </a:r>
-          </a:p>
-          <a:p>
-            <a:r>
-              <a:rPr lang="de-DE" dirty="0" smtClean="0"/>
-              <a:t>Softwarealternativen die eingesetzt werden</a:t>
-            </a:r>
-          </a:p>
-          <a:p>
-            <a:pPr lvl="1"/>
-            <a:r>
-              <a:rPr lang="de-DE" dirty="0" smtClean="0"/>
-              <a:t>Statistiken</a:t>
-            </a:r>
-            <a:endParaRPr lang="de-DE" dirty="0"/>
+              <a:t>(Wirtschafts-)Experimentgestaltung</a:t>
+            </a:r>
           </a:p>
           <a:p>
             <a:endParaRPr lang="de-DE" dirty="0"/>
@@ -9368,7 +9311,7 @@
           <a:p>
             <a:r>
               <a:rPr lang="de-DE" b="1" dirty="0" smtClean="0"/>
-              <a:t>Stand der Forschung</a:t>
+              <a:t>Theoretische Grundlagen</a:t>
             </a:r>
             <a:endParaRPr lang="de-DE" b="1" dirty="0"/>
           </a:p>
@@ -9377,7 +9320,7 @@
     </p:spTree>
     <p:extLst>
       <p:ext uri="{BB962C8B-B14F-4D97-AF65-F5344CB8AC3E}">
-        <p14:creationId xmlns:p14="http://schemas.microsoft.com/office/powerpoint/2010/main" val="2386535977"/>
+        <p14:creationId xmlns:p14="http://schemas.microsoft.com/office/powerpoint/2010/main" val="1665884602"/>
       </p:ext>
     </p:extLst>
   </p:cSld>
@@ -9429,42 +9372,33 @@
           <a:p>
             <a:r>
               <a:rPr lang="de-DE" dirty="0" smtClean="0"/>
-              <a:t>(Wirtschafts-)Experimentgestaltung</a:t>
+              <a:t>Verbinden der Grundlagen</a:t>
             </a:r>
           </a:p>
           <a:p>
             <a:r>
               <a:rPr lang="de-DE" dirty="0" smtClean="0"/>
-              <a:t>Software-Entwicklung</a:t>
+              <a:t>Vergleich </a:t>
+            </a:r>
+            <a:r>
+              <a:rPr lang="de-DE" dirty="0" smtClean="0"/>
+              <a:t>mit anderer Software</a:t>
             </a:r>
           </a:p>
           <a:p>
             <a:pPr lvl="1"/>
             <a:r>
               <a:rPr lang="de-DE" dirty="0" smtClean="0"/>
-              <a:t>UML</a:t>
-            </a:r>
-          </a:p>
-          <a:p>
-            <a:pPr lvl="1"/>
-            <a:r>
-              <a:rPr lang="de-DE" dirty="0" err="1" smtClean="0"/>
-              <a:t>Useability</a:t>
-            </a:r>
-            <a:r>
-              <a:rPr lang="de-DE" dirty="0" smtClean="0"/>
-              <a:t> Design</a:t>
-            </a:r>
-          </a:p>
-          <a:p>
-            <a:pPr lvl="1"/>
-            <a:r>
-              <a:rPr lang="de-DE" dirty="0" smtClean="0"/>
-              <a:t>Entwicklungsumgebungen</a:t>
-            </a:r>
-          </a:p>
-          <a:p>
-            <a:endParaRPr lang="de-DE" dirty="0"/>
+              <a:t>Schwachstellen anderer Software</a:t>
+            </a:r>
+          </a:p>
+          <a:p>
+            <a:pPr lvl="2"/>
+            <a:r>
+              <a:rPr lang="de-DE" sz="1800" dirty="0" err="1" smtClean="0"/>
+              <a:t>Featurebegründung</a:t>
+            </a:r>
+            <a:endParaRPr lang="de-DE" sz="1800" dirty="0"/>
           </a:p>
         </p:txBody>
       </p:sp>
@@ -9484,8 +9418,8 @@
           <a:lstStyle/>
           <a:p>
             <a:r>
-              <a:rPr lang="de-DE" b="1" dirty="0" smtClean="0"/>
-              <a:t>Theoretische Grundlagen</a:t>
+              <a:rPr lang="de-DE" dirty="0"/>
+              <a:t>Problemstellung</a:t>
             </a:r>
             <a:endParaRPr lang="de-DE" b="1" dirty="0"/>
           </a:p>
@@ -9494,7 +9428,7 @@
     </p:spTree>
     <p:extLst>
       <p:ext uri="{BB962C8B-B14F-4D97-AF65-F5344CB8AC3E}">
-        <p14:creationId xmlns:p14="http://schemas.microsoft.com/office/powerpoint/2010/main" val="1665884602"/>
+        <p14:creationId xmlns:p14="http://schemas.microsoft.com/office/powerpoint/2010/main" val="2134987133"/>
       </p:ext>
     </p:extLst>
   </p:cSld>
@@ -9545,36 +9479,33 @@
           <a:lstStyle/>
           <a:p>
             <a:r>
+              <a:rPr lang="de-DE" dirty="0"/>
+              <a:t>Modell des </a:t>
+            </a:r>
+            <a:r>
               <a:rPr lang="de-DE" dirty="0" smtClean="0"/>
-              <a:t>Verbinden der Grundlagen</a:t>
+              <a:t>Problembereichs</a:t>
             </a:r>
           </a:p>
           <a:p>
             <a:r>
               <a:rPr lang="de-DE" dirty="0" smtClean="0"/>
-              <a:t>Anforderungsanalyse</a:t>
-            </a:r>
+              <a:t>Geschäftsprozesse</a:t>
+            </a:r>
+            <a:endParaRPr lang="de-DE" dirty="0"/>
           </a:p>
           <a:p>
             <a:r>
               <a:rPr lang="de-DE" dirty="0" smtClean="0"/>
-              <a:t>Vergleich mit anderer Software</a:t>
-            </a:r>
-          </a:p>
-          <a:p>
-            <a:pPr lvl="1"/>
-            <a:r>
-              <a:rPr lang="de-DE" dirty="0" smtClean="0"/>
-              <a:t>Schwachstellen anderer Software</a:t>
-            </a:r>
-          </a:p>
-          <a:p>
-            <a:pPr lvl="2"/>
-            <a:r>
-              <a:rPr lang="de-DE" sz="1800" dirty="0" err="1" smtClean="0"/>
-              <a:t>Featurebegründung</a:t>
-            </a:r>
-            <a:endParaRPr lang="de-DE" sz="1800" dirty="0"/>
+              <a:t>Zielbestimmung </a:t>
+            </a:r>
+            <a:r>
+              <a:rPr lang="de-DE" dirty="0"/>
+              <a:t>für Software</a:t>
+            </a:r>
+          </a:p>
+          <a:p>
+            <a:endParaRPr lang="de-DE" dirty="0"/>
           </a:p>
         </p:txBody>
       </p:sp>
@@ -9594,8 +9525,8 @@
           <a:lstStyle/>
           <a:p>
             <a:r>
-              <a:rPr lang="de-DE" dirty="0"/>
-              <a:t>Problemstellung</a:t>
+              <a:rPr lang="de-DE" dirty="0" smtClean="0"/>
+              <a:t>Anforderungsanalyse</a:t>
             </a:r>
             <a:endParaRPr lang="de-DE" b="1" dirty="0"/>
           </a:p>
@@ -9604,7 +9535,7 @@
     </p:spTree>
     <p:extLst>
       <p:ext uri="{BB962C8B-B14F-4D97-AF65-F5344CB8AC3E}">
-        <p14:creationId xmlns:p14="http://schemas.microsoft.com/office/powerpoint/2010/main" val="2134987133"/>
+        <p14:creationId xmlns:p14="http://schemas.microsoft.com/office/powerpoint/2010/main" val="1200773531"/>
       </p:ext>
     </p:extLst>
   </p:cSld>
@@ -9641,7 +9572,7 @@
       </p:grpSpPr>
       <p:sp>
         <p:nvSpPr>
-          <p:cNvPr id="3" name="Inhaltsplatzhalter 2"/>
+          <p:cNvPr id="10" name="Inhaltsplatzhalter 9"/>
           <p:cNvSpPr>
             <a:spLocks noGrp="1"/>
           </p:cNvSpPr>
@@ -9656,28 +9587,61 @@
           <a:p>
             <a:r>
               <a:rPr lang="de-DE" dirty="0"/>
-              <a:t>Modell des </a:t>
-            </a:r>
+              <a:t>Software-Entwicklung</a:t>
+            </a:r>
+          </a:p>
+          <a:p>
+            <a:pPr lvl="1"/>
+            <a:r>
+              <a:rPr lang="de-DE" dirty="0"/>
+              <a:t>UML</a:t>
+            </a:r>
+          </a:p>
+          <a:p>
+            <a:pPr lvl="1"/>
+            <a:r>
+              <a:rPr lang="de-DE" dirty="0" err="1"/>
+              <a:t>Useability</a:t>
+            </a:r>
+            <a:r>
+              <a:rPr lang="de-DE" dirty="0"/>
+              <a:t> Design</a:t>
+            </a:r>
+          </a:p>
+          <a:p>
+            <a:pPr lvl="1"/>
+            <a:r>
+              <a:rPr lang="de-DE" dirty="0"/>
+              <a:t>Entwicklungsumgebungen</a:t>
+            </a:r>
+          </a:p>
+          <a:p>
+            <a:pPr fontAlgn="ctr"/>
+            <a:endParaRPr lang="de-DE" dirty="0" smtClean="0"/>
+          </a:p>
+          <a:p>
+            <a:pPr fontAlgn="ctr"/>
             <a:r>
               <a:rPr lang="de-DE" dirty="0" smtClean="0"/>
-              <a:t>Problembereichs</a:t>
-            </a:r>
-          </a:p>
-          <a:p>
-            <a:r>
-              <a:rPr lang="de-DE" dirty="0" smtClean="0"/>
-              <a:t>Geschäftsprozesse</a:t>
-            </a:r>
-            <a:endParaRPr lang="de-DE" dirty="0"/>
-          </a:p>
-          <a:p>
-            <a:r>
-              <a:rPr lang="de-DE" dirty="0" smtClean="0"/>
-              <a:t>Zielbestimmung </a:t>
+              <a:t>Modell </a:t>
             </a:r>
             <a:r>
               <a:rPr lang="de-DE" dirty="0"/>
-              <a:t>für Software</a:t>
+              <a:t>des Problembereichs</a:t>
+            </a:r>
+          </a:p>
+          <a:p>
+            <a:pPr fontAlgn="ctr"/>
+            <a:r>
+              <a:rPr lang="de-DE" dirty="0"/>
+              <a:t>Features</a:t>
+            </a:r>
+          </a:p>
+          <a:p>
+            <a:pPr fontAlgn="ctr"/>
+            <a:r>
+              <a:rPr lang="de-DE" dirty="0"/>
+              <a:t>Implementierung</a:t>
             </a:r>
           </a:p>
           <a:p>
@@ -9702,7 +9666,7 @@
           <a:p>
             <a:r>
               <a:rPr lang="de-DE" dirty="0"/>
-              <a:t>Forschungsfrage</a:t>
+              <a:t>Software-Entwicklung</a:t>
             </a:r>
             <a:endParaRPr lang="de-DE" b="1" dirty="0"/>
           </a:p>
@@ -9711,7 +9675,7 @@
     </p:spTree>
     <p:extLst>
       <p:ext uri="{BB962C8B-B14F-4D97-AF65-F5344CB8AC3E}">
-        <p14:creationId xmlns:p14="http://schemas.microsoft.com/office/powerpoint/2010/main" val="1200773531"/>
+        <p14:creationId xmlns:p14="http://schemas.microsoft.com/office/powerpoint/2010/main" val="2929651552"/>
       </p:ext>
     </p:extLst>
   </p:cSld>
@@ -9748,7 +9712,7 @@
       </p:grpSpPr>
       <p:sp>
         <p:nvSpPr>
-          <p:cNvPr id="10" name="Inhaltsplatzhalter 9"/>
+          <p:cNvPr id="3" name="Inhaltsplatzhalter 2"/>
           <p:cNvSpPr>
             <a:spLocks noGrp="1"/>
           </p:cNvSpPr>
@@ -9761,32 +9725,10 @@
           <a:bodyPr/>
           <a:lstStyle/>
           <a:p>
-            <a:pPr fontAlgn="ctr"/>
             <a:r>
               <a:rPr lang="de-DE" dirty="0" smtClean="0"/>
-              <a:t>Modell </a:t>
-            </a:r>
-            <a:r>
-              <a:rPr lang="de-DE" dirty="0"/>
-              <a:t>des Problembereichs</a:t>
-            </a:r>
-          </a:p>
-          <a:p>
-            <a:pPr fontAlgn="ctr"/>
-            <a:r>
-              <a:rPr lang="de-DE" dirty="0"/>
-              <a:t>Features</a:t>
-            </a:r>
-          </a:p>
-          <a:p>
-            <a:pPr fontAlgn="ctr"/>
-            <a:r>
-              <a:rPr lang="de-DE" dirty="0"/>
-              <a:t>Implementierung</a:t>
-            </a:r>
-          </a:p>
-          <a:p>
-            <a:endParaRPr lang="de-DE" dirty="0"/>
+              <a:t>Aktueller Stand der Entwicklung</a:t>
+            </a:r>
           </a:p>
         </p:txBody>
       </p:sp>
@@ -9806,8 +9748,8 @@
           <a:lstStyle/>
           <a:p>
             <a:r>
-              <a:rPr lang="de-DE" dirty="0"/>
-              <a:t>Software-Entwicklung</a:t>
+              <a:rPr lang="de-DE" b="1" dirty="0" smtClean="0"/>
+              <a:t>Ergebnisse</a:t>
             </a:r>
             <a:endParaRPr lang="de-DE" b="1" dirty="0"/>
           </a:p>
@@ -9816,7 +9758,7 @@
     </p:spTree>
     <p:extLst>
       <p:ext uri="{BB962C8B-B14F-4D97-AF65-F5344CB8AC3E}">
-        <p14:creationId xmlns:p14="http://schemas.microsoft.com/office/powerpoint/2010/main" val="2929651552"/>
+        <p14:creationId xmlns:p14="http://schemas.microsoft.com/office/powerpoint/2010/main" val="1873799400"/>
       </p:ext>
     </p:extLst>
   </p:cSld>
@@ -9866,10 +9808,7 @@
           <a:bodyPr/>
           <a:lstStyle/>
           <a:p>
-            <a:r>
-              <a:rPr lang="de-DE" dirty="0" smtClean="0"/>
-              <a:t>Aktueller Stand der Entwicklung</a:t>
-            </a:r>
+            <a:endParaRPr lang="de-DE" dirty="0"/>
           </a:p>
         </p:txBody>
       </p:sp>
@@ -9890,7 +9829,7 @@
           <a:p>
             <a:r>
               <a:rPr lang="de-DE" b="1" dirty="0" smtClean="0"/>
-              <a:t>Ergebnisse</a:t>
+              <a:t>Diskussion</a:t>
             </a:r>
             <a:endParaRPr lang="de-DE" b="1" dirty="0"/>
           </a:p>
@@ -9899,7 +9838,7 @@
     </p:spTree>
     <p:extLst>
       <p:ext uri="{BB962C8B-B14F-4D97-AF65-F5344CB8AC3E}">
-        <p14:creationId xmlns:p14="http://schemas.microsoft.com/office/powerpoint/2010/main" val="1873799400"/>
+        <p14:creationId xmlns:p14="http://schemas.microsoft.com/office/powerpoint/2010/main" val="1457293428"/>
       </p:ext>
     </p:extLst>
   </p:cSld>
